--- a/Capstone Presentation.pptx
+++ b/Capstone Presentation.pptx
@@ -12396,13 +12396,13 @@
   <p:clrMapOvr>
     <a:masterClrMapping/>
   </p:clrMapOvr>
-  <mc:AlternateContent xmlns:mc="http://schemas.openxmlformats.org/markup-compatibility/2006">
-    <mc:Choice xmlns:p14="http://schemas.microsoft.com/office/powerpoint/2010/main" Requires="p14">
+  <mc:AlternateContent xmlns:mc="http://schemas.openxmlformats.org/markup-compatibility/2006" xmlns:p14="http://schemas.microsoft.com/office/powerpoint/2010/main">
+    <mc:Choice Requires="p14">
       <p:transition spd="med" p14:dur="700">
         <p:fade/>
       </p:transition>
     </mc:Choice>
-    <mc:Fallback>
+    <mc:Fallback xmlns="">
       <p:transition spd="med">
         <p:fade/>
       </p:transition>
@@ -15088,28 +15088,28 @@
             <a:pPr lvl="1"/>
             <a:r>
               <a:rPr lang="en-US" dirty="0"/>
-              <a:t>L-Rail Routes</a:t>
+              <a:t>L-Rail Lines</a:t>
             </a:r>
           </a:p>
           <a:p>
             <a:pPr lvl="1"/>
             <a:r>
               <a:rPr lang="en-US" dirty="0"/>
-              <a:t>L-Rail Stops</a:t>
+              <a:t>L-Rail Stations</a:t>
             </a:r>
           </a:p>
           <a:p>
             <a:pPr lvl="1"/>
             <a:r>
               <a:rPr lang="en-US" dirty="0"/>
-              <a:t>Metra Route</a:t>
+              <a:t>Metra Lines</a:t>
             </a:r>
           </a:p>
           <a:p>
             <a:pPr lvl="1"/>
             <a:r>
               <a:rPr lang="en-US" dirty="0"/>
-              <a:t>Metra Stops</a:t>
+              <a:t>Metra Stations</a:t>
             </a:r>
           </a:p>
           <a:p>
@@ -16486,21 +16486,21 @@
 </file>
 
 <file path=customXml/item1.xml><?xml version="1.0" encoding="utf-8"?>
+<?mso-contentType ?>
+<FormTemplates xmlns="http://schemas.microsoft.com/sharepoint/v3/contenttype/forms">
+  <Display>DocumentLibraryForm</Display>
+  <Edit>DocumentLibraryForm</Edit>
+  <New>DocumentLibraryForm</New>
+</FormTemplates>
+</file>
+
+<file path=customXml/item2.xml><?xml version="1.0" encoding="utf-8"?>
 <p:properties xmlns:p="http://schemas.microsoft.com/office/2006/metadata/properties" xmlns:xsi="http://www.w3.org/2001/XMLSchema-instance" xmlns:pc="http://schemas.microsoft.com/office/infopath/2007/PartnerControls">
   <documentManagement>
     <Status xmlns="71af3243-3dd4-4a8d-8c0d-dd76da1f02a5">Not started</Status>
     <MediaServiceKeyPoints xmlns="71af3243-3dd4-4a8d-8c0d-dd76da1f02a5" xsi:nil="true"/>
   </documentManagement>
 </p:properties>
-</file>
-
-<file path=customXml/item2.xml><?xml version="1.0" encoding="utf-8"?>
-<?mso-contentType ?>
-<FormTemplates xmlns="http://schemas.microsoft.com/sharepoint/v3/contenttype/forms">
-  <Display>DocumentLibraryForm</Display>
-  <Edit>DocumentLibraryForm</Edit>
-  <New>DocumentLibraryForm</New>
-</FormTemplates>
 </file>
 
 <file path=customXml/item3.xml><?xml version="1.0" encoding="utf-8"?>
@@ -16725,19 +16725,19 @@
 </file>
 
 <file path=customXml/itemProps1.xml><?xml version="1.0" encoding="utf-8"?>
+<ds:datastoreItem xmlns:ds="http://schemas.openxmlformats.org/officeDocument/2006/customXml" ds:itemID="{1A449C04-64B3-4403-94B7-8D2284C38D1B}">
+  <ds:schemaRefs>
+    <ds:schemaRef ds:uri="http://schemas.microsoft.com/sharepoint/v3/contenttype/forms"/>
+  </ds:schemaRefs>
+</ds:datastoreItem>
+</file>
+
+<file path=customXml/itemProps2.xml><?xml version="1.0" encoding="utf-8"?>
 <ds:datastoreItem xmlns:ds="http://schemas.openxmlformats.org/officeDocument/2006/customXml" ds:itemID="{FBDEF148-1770-458F-8F5B-C3D0A278AA97}">
   <ds:schemaRefs>
     <ds:schemaRef ds:uri="http://schemas.microsoft.com/office/2006/metadata/properties"/>
     <ds:schemaRef ds:uri="http://schemas.microsoft.com/office/infopath/2007/PartnerControls"/>
     <ds:schemaRef ds:uri="71af3243-3dd4-4a8d-8c0d-dd76da1f02a5"/>
-  </ds:schemaRefs>
-</ds:datastoreItem>
-</file>
-
-<file path=customXml/itemProps2.xml><?xml version="1.0" encoding="utf-8"?>
-<ds:datastoreItem xmlns:ds="http://schemas.openxmlformats.org/officeDocument/2006/customXml" ds:itemID="{1A449C04-64B3-4403-94B7-8D2284C38D1B}">
-  <ds:schemaRefs>
-    <ds:schemaRef ds:uri="http://schemas.microsoft.com/sharepoint/v3/contenttype/forms"/>
   </ds:schemaRefs>
 </ds:datastoreItem>
 </file>

--- a/Capstone Presentation.pptx
+++ b/Capstone Presentation.pptx
@@ -237,7 +237,7 @@
           <a:p>
             <a:fld id="{6C7BA811-8917-4F1D-B22F-E96045BFA4E0}" type="datetimeFigureOut">
               <a:rPr lang="en-US" smtClean="0"/>
-              <a:t>4/26/2023</a:t>
+              <a:t>4/27/2023</a:t>
             </a:fld>
             <a:endParaRPr lang="en-US" dirty="0"/>
           </a:p>
@@ -550,14 +550,13 @@
           <a:p>
             <a:r>
               <a:rPr lang="en-US" dirty="0"/>
-              <a:t>The census bureau estimates that there are 2.7 million people living in Chicago</a:t>
-            </a:r>
-          </a:p>
-          <a:p>
-            <a:r>
-              <a:rPr lang="en-US" dirty="0"/>
-              <a:t>The Chicago Transit Authority </a:t>
-            </a:r>
+              <a:t>The census bureau estimates that there are 2.7 million people living </a:t>
+            </a:r>
+            <a:r>
+              <a:rPr lang="en-US"/>
+              <a:t>in Chicago</a:t>
+            </a:r>
+            <a:endParaRPr lang="en-US" dirty="0"/>
           </a:p>
         </p:txBody>
       </p:sp>
@@ -16486,21 +16485,21 @@
 </file>
 
 <file path=customXml/item1.xml><?xml version="1.0" encoding="utf-8"?>
+<p:properties xmlns:p="http://schemas.microsoft.com/office/2006/metadata/properties" xmlns:xsi="http://www.w3.org/2001/XMLSchema-instance" xmlns:pc="http://schemas.microsoft.com/office/infopath/2007/PartnerControls">
+  <documentManagement>
+    <Status xmlns="71af3243-3dd4-4a8d-8c0d-dd76da1f02a5">Not started</Status>
+    <MediaServiceKeyPoints xmlns="71af3243-3dd4-4a8d-8c0d-dd76da1f02a5" xsi:nil="true"/>
+  </documentManagement>
+</p:properties>
+</file>
+
+<file path=customXml/item2.xml><?xml version="1.0" encoding="utf-8"?>
 <?mso-contentType ?>
 <FormTemplates xmlns="http://schemas.microsoft.com/sharepoint/v3/contenttype/forms">
   <Display>DocumentLibraryForm</Display>
   <Edit>DocumentLibraryForm</Edit>
   <New>DocumentLibraryForm</New>
 </FormTemplates>
-</file>
-
-<file path=customXml/item2.xml><?xml version="1.0" encoding="utf-8"?>
-<p:properties xmlns:p="http://schemas.microsoft.com/office/2006/metadata/properties" xmlns:xsi="http://www.w3.org/2001/XMLSchema-instance" xmlns:pc="http://schemas.microsoft.com/office/infopath/2007/PartnerControls">
-  <documentManagement>
-    <Status xmlns="71af3243-3dd4-4a8d-8c0d-dd76da1f02a5">Not started</Status>
-    <MediaServiceKeyPoints xmlns="71af3243-3dd4-4a8d-8c0d-dd76da1f02a5" xsi:nil="true"/>
-  </documentManagement>
-</p:properties>
 </file>
 
 <file path=customXml/item3.xml><?xml version="1.0" encoding="utf-8"?>
@@ -16725,19 +16724,19 @@
 </file>
 
 <file path=customXml/itemProps1.xml><?xml version="1.0" encoding="utf-8"?>
-<ds:datastoreItem xmlns:ds="http://schemas.openxmlformats.org/officeDocument/2006/customXml" ds:itemID="{1A449C04-64B3-4403-94B7-8D2284C38D1B}">
+<ds:datastoreItem xmlns:ds="http://schemas.openxmlformats.org/officeDocument/2006/customXml" ds:itemID="{FBDEF148-1770-458F-8F5B-C3D0A278AA97}">
   <ds:schemaRefs>
-    <ds:schemaRef ds:uri="http://schemas.microsoft.com/sharepoint/v3/contenttype/forms"/>
+    <ds:schemaRef ds:uri="http://schemas.microsoft.com/office/2006/metadata/properties"/>
+    <ds:schemaRef ds:uri="http://schemas.microsoft.com/office/infopath/2007/PartnerControls"/>
+    <ds:schemaRef ds:uri="71af3243-3dd4-4a8d-8c0d-dd76da1f02a5"/>
   </ds:schemaRefs>
 </ds:datastoreItem>
 </file>
 
 <file path=customXml/itemProps2.xml><?xml version="1.0" encoding="utf-8"?>
-<ds:datastoreItem xmlns:ds="http://schemas.openxmlformats.org/officeDocument/2006/customXml" ds:itemID="{FBDEF148-1770-458F-8F5B-C3D0A278AA97}">
+<ds:datastoreItem xmlns:ds="http://schemas.openxmlformats.org/officeDocument/2006/customXml" ds:itemID="{1A449C04-64B3-4403-94B7-8D2284C38D1B}">
   <ds:schemaRefs>
-    <ds:schemaRef ds:uri="http://schemas.microsoft.com/office/2006/metadata/properties"/>
-    <ds:schemaRef ds:uri="http://schemas.microsoft.com/office/infopath/2007/PartnerControls"/>
-    <ds:schemaRef ds:uri="71af3243-3dd4-4a8d-8c0d-dd76da1f02a5"/>
+    <ds:schemaRef ds:uri="http://schemas.microsoft.com/sharepoint/v3/contenttype/forms"/>
   </ds:schemaRefs>
 </ds:datastoreItem>
 </file>

--- a/Capstone Presentation.pptx
+++ b/Capstone Presentation.pptx
@@ -14,7 +14,7 @@
     <p:sldId id="3827" r:id="rId8"/>
     <p:sldId id="3840" r:id="rId9"/>
     <p:sldId id="3838" r:id="rId10"/>
-    <p:sldId id="3841" r:id="rId11"/>
+    <p:sldId id="3848" r:id="rId11"/>
     <p:sldId id="3842" r:id="rId12"/>
     <p:sldId id="3846" r:id="rId13"/>
     <p:sldId id="3847" r:id="rId14"/>
@@ -237,7 +237,7 @@
           <a:p>
             <a:fld id="{6C7BA811-8917-4F1D-B22F-E96045BFA4E0}" type="datetimeFigureOut">
               <a:rPr lang="en-US" smtClean="0"/>
-              <a:t>4/27/2023</a:t>
+              <a:t>4/28/2023</a:t>
             </a:fld>
             <a:endParaRPr lang="en-US" dirty="0"/>
           </a:p>
@@ -15246,10 +15246,10 @@
       </p:grpSpPr>
       <p:sp>
         <p:nvSpPr>
-          <p:cNvPr id="7" name="Title 6">
-            <a:extLst>
-              <a:ext uri="{FF2B5EF4-FFF2-40B4-BE49-F238E27FC236}">
-                <a16:creationId xmlns:a16="http://schemas.microsoft.com/office/drawing/2014/main" id="{63DB855B-3330-B5A6-47F8-9B927E297087}"/>
+          <p:cNvPr id="2" name="Title 1">
+            <a:extLst>
+              <a:ext uri="{FF2B5EF4-FFF2-40B4-BE49-F238E27FC236}">
+                <a16:creationId xmlns:a16="http://schemas.microsoft.com/office/drawing/2014/main" id="{829B9DC5-E3CF-E38F-578C-F162FF2E4E30}"/>
               </a:ext>
             </a:extLst>
           </p:cNvPr>
@@ -15274,10 +15274,10 @@
       </p:sp>
       <p:sp>
         <p:nvSpPr>
-          <p:cNvPr id="4" name="Date Placeholder 3">
-            <a:extLst>
-              <a:ext uri="{FF2B5EF4-FFF2-40B4-BE49-F238E27FC236}">
-                <a16:creationId xmlns:a16="http://schemas.microsoft.com/office/drawing/2014/main" id="{81288EE4-5C1A-51B6-FCB7-E6D22C712073}"/>
+          <p:cNvPr id="3" name="Text Placeholder 2">
+            <a:extLst>
+              <a:ext uri="{FF2B5EF4-FFF2-40B4-BE49-F238E27FC236}">
+                <a16:creationId xmlns:a16="http://schemas.microsoft.com/office/drawing/2014/main" id="{258C6CB7-AC05-CB87-BF1E-9E991ED07C60}"/>
               </a:ext>
             </a:extLst>
           </p:cNvPr>
@@ -15285,165 +15285,36 @@
             <a:spLocks noGrp="1"/>
           </p:cNvSpPr>
           <p:nvPr>
-            <p:ph type="dt" sz="half" idx="4294967295"/>
+            <p:ph type="body" idx="1"/>
           </p:nvPr>
         </p:nvSpPr>
-        <p:spPr>
-          <a:xfrm>
-            <a:off x="0" y="6356350"/>
-            <a:ext cx="2743200" cy="365125"/>
-          </a:xfrm>
-        </p:spPr>
-        <p:txBody>
-          <a:bodyPr/>
+        <p:spPr/>
+        <p:txBody>
+          <a:bodyPr>
+            <a:normAutofit/>
+          </a:bodyPr>
           <a:lstStyle/>
           <a:p>
-            <a:pPr>
-              <a:defRPr/>
-            </a:pPr>
             <a:r>
               <a:rPr lang="en-US" dirty="0">
-                <a:solidFill>
-                  <a:prstClr val="black">
-                    <a:tint val="75000"/>
-                  </a:prstClr>
-                </a:solidFill>
+                <a:hlinkClick r:id="rId2"/>
               </a:rPr>
-              <a:t>4/28/2023</a:t>
-            </a:r>
-          </a:p>
-        </p:txBody>
-      </p:sp>
-      <p:sp>
-        <p:nvSpPr>
-          <p:cNvPr id="5" name="Footer Placeholder 4">
-            <a:extLst>
-              <a:ext uri="{FF2B5EF4-FFF2-40B4-BE49-F238E27FC236}">
-                <a16:creationId xmlns:a16="http://schemas.microsoft.com/office/drawing/2014/main" id="{E2749015-AA75-CF1A-D1BA-13C2DCC04E10}"/>
-              </a:ext>
-            </a:extLst>
-          </p:cNvPr>
-          <p:cNvSpPr>
-            <a:spLocks noGrp="1"/>
-          </p:cNvSpPr>
-          <p:nvPr>
-            <p:ph type="ftr" sz="quarter" idx="4294967295"/>
-          </p:nvPr>
-        </p:nvSpPr>
-        <p:spPr>
-          <a:xfrm>
-            <a:off x="0" y="6356350"/>
-            <a:ext cx="4114800" cy="365125"/>
-          </a:xfrm>
-        </p:spPr>
-        <p:txBody>
-          <a:bodyPr/>
-          <a:lstStyle/>
-          <a:p>
-            <a:pPr marL="0" marR="0" lvl="0" indent="0" algn="ctr" defTabSz="914400" rtl="0" eaLnBrk="1" fontAlgn="auto" latinLnBrk="0" hangingPunct="1">
-              <a:lnSpc>
-                <a:spcPct val="100000"/>
-              </a:lnSpc>
-              <a:spcBef>
-                <a:spcPts val="0"/>
-              </a:spcBef>
-              <a:spcAft>
-                <a:spcPts val="0"/>
-              </a:spcAft>
-              <a:buClrTx/>
-              <a:buSzTx/>
-              <a:buFontTx/>
-              <a:buNone/>
-              <a:tabLst/>
-              <a:defRPr/>
-            </a:pPr>
-            <a:r>
-              <a:rPr kumimoji="0" lang="en-US" sz="1200" b="0" i="0" u="none" strike="noStrike" kern="1200" cap="none" spc="0" normalizeH="0" baseline="0" noProof="0" dirty="0">
-                <a:ln>
-                  <a:noFill/>
-                </a:ln>
-                <a:solidFill>
-                  <a:prstClr val="black">
-                    <a:tint val="75000"/>
-                  </a:prstClr>
-                </a:solidFill>
-                <a:effectLst/>
-                <a:uLnTx/>
-                <a:uFillTx/>
-                <a:latin typeface="Calibri" panose="020F0502020204030204"/>
-                <a:ea typeface="+mn-ea"/>
-                <a:cs typeface="+mn-cs"/>
-              </a:rPr>
-              <a:t>Where Are Chicagoans Going?</a:t>
-            </a:r>
-          </a:p>
-        </p:txBody>
-      </p:sp>
-      <p:sp>
-        <p:nvSpPr>
-          <p:cNvPr id="6" name="Slide Number Placeholder 5">
-            <a:extLst>
-              <a:ext uri="{FF2B5EF4-FFF2-40B4-BE49-F238E27FC236}">
-                <a16:creationId xmlns:a16="http://schemas.microsoft.com/office/drawing/2014/main" id="{3E79EB30-B485-476C-E6AF-EA012476F1D2}"/>
-              </a:ext>
-            </a:extLst>
-          </p:cNvPr>
-          <p:cNvSpPr>
-            <a:spLocks noGrp="1"/>
-          </p:cNvSpPr>
-          <p:nvPr>
-            <p:ph type="sldNum" sz="quarter" idx="4294967295"/>
-          </p:nvPr>
-        </p:nvSpPr>
-        <p:spPr>
-          <a:xfrm>
-            <a:off x="9448800" y="6356350"/>
-            <a:ext cx="2743200" cy="365125"/>
-          </a:xfrm>
-        </p:spPr>
-        <p:txBody>
-          <a:bodyPr/>
-          <a:lstStyle/>
-          <a:p>
-            <a:pPr>
-              <a:defRPr/>
-            </a:pPr>
-            <a:fld id="{D76B855D-E9CC-4FF8-AD85-6CDC7B89A0DE}" type="slidenum">
-              <a:rPr lang="en-US" smtClean="0">
-                <a:solidFill>
-                  <a:prstClr val="black">
-                    <a:tint val="75000"/>
-                  </a:prstClr>
-                </a:solidFill>
-              </a:rPr>
-              <a:pPr>
-                <a:defRPr/>
-              </a:pPr>
-              <a:t>7</a:t>
-            </a:fld>
-            <a:endParaRPr lang="en-US" dirty="0">
-              <a:solidFill>
-                <a:prstClr val="black">
-                  <a:tint val="75000"/>
-                </a:prstClr>
-              </a:solidFill>
-            </a:endParaRPr>
+              <a:t>Click Here to See the Dashboard!</a:t>
+            </a:r>
+            <a:endParaRPr lang="en-US" dirty="0"/>
           </a:p>
         </p:txBody>
       </p:sp>
     </p:spTree>
     <p:extLst>
       <p:ext uri="{BB962C8B-B14F-4D97-AF65-F5344CB8AC3E}">
-        <p14:creationId xmlns:p14="http://schemas.microsoft.com/office/powerpoint/2010/main" val="155871187"/>
+        <p14:creationId xmlns:p14="http://schemas.microsoft.com/office/powerpoint/2010/main" val="4233391347"/>
       </p:ext>
     </p:extLst>
   </p:cSld>
   <p:clrMapOvr>
     <a:masterClrMapping/>
   </p:clrMapOvr>
-  <p:transition spd="slow">
-    <p:cover/>
-  </p:transition>
 </p:sld>
 </file>
 
@@ -16485,21 +16356,21 @@
 </file>
 
 <file path=customXml/item1.xml><?xml version="1.0" encoding="utf-8"?>
+<?mso-contentType ?>
+<FormTemplates xmlns="http://schemas.microsoft.com/sharepoint/v3/contenttype/forms">
+  <Display>DocumentLibraryForm</Display>
+  <Edit>DocumentLibraryForm</Edit>
+  <New>DocumentLibraryForm</New>
+</FormTemplates>
+</file>
+
+<file path=customXml/item2.xml><?xml version="1.0" encoding="utf-8"?>
 <p:properties xmlns:p="http://schemas.microsoft.com/office/2006/metadata/properties" xmlns:xsi="http://www.w3.org/2001/XMLSchema-instance" xmlns:pc="http://schemas.microsoft.com/office/infopath/2007/PartnerControls">
   <documentManagement>
     <Status xmlns="71af3243-3dd4-4a8d-8c0d-dd76da1f02a5">Not started</Status>
     <MediaServiceKeyPoints xmlns="71af3243-3dd4-4a8d-8c0d-dd76da1f02a5" xsi:nil="true"/>
   </documentManagement>
 </p:properties>
-</file>
-
-<file path=customXml/item2.xml><?xml version="1.0" encoding="utf-8"?>
-<?mso-contentType ?>
-<FormTemplates xmlns="http://schemas.microsoft.com/sharepoint/v3/contenttype/forms">
-  <Display>DocumentLibraryForm</Display>
-  <Edit>DocumentLibraryForm</Edit>
-  <New>DocumentLibraryForm</New>
-</FormTemplates>
 </file>
 
 <file path=customXml/item3.xml><?xml version="1.0" encoding="utf-8"?>
@@ -16724,19 +16595,19 @@
 </file>
 
 <file path=customXml/itemProps1.xml><?xml version="1.0" encoding="utf-8"?>
+<ds:datastoreItem xmlns:ds="http://schemas.openxmlformats.org/officeDocument/2006/customXml" ds:itemID="{1A449C04-64B3-4403-94B7-8D2284C38D1B}">
+  <ds:schemaRefs>
+    <ds:schemaRef ds:uri="http://schemas.microsoft.com/sharepoint/v3/contenttype/forms"/>
+  </ds:schemaRefs>
+</ds:datastoreItem>
+</file>
+
+<file path=customXml/itemProps2.xml><?xml version="1.0" encoding="utf-8"?>
 <ds:datastoreItem xmlns:ds="http://schemas.openxmlformats.org/officeDocument/2006/customXml" ds:itemID="{FBDEF148-1770-458F-8F5B-C3D0A278AA97}">
   <ds:schemaRefs>
     <ds:schemaRef ds:uri="http://schemas.microsoft.com/office/2006/metadata/properties"/>
     <ds:schemaRef ds:uri="http://schemas.microsoft.com/office/infopath/2007/PartnerControls"/>
     <ds:schemaRef ds:uri="71af3243-3dd4-4a8d-8c0d-dd76da1f02a5"/>
-  </ds:schemaRefs>
-</ds:datastoreItem>
-</file>
-
-<file path=customXml/itemProps2.xml><?xml version="1.0" encoding="utf-8"?>
-<ds:datastoreItem xmlns:ds="http://schemas.openxmlformats.org/officeDocument/2006/customXml" ds:itemID="{1A449C04-64B3-4403-94B7-8D2284C38D1B}">
-  <ds:schemaRefs>
-    <ds:schemaRef ds:uri="http://schemas.microsoft.com/sharepoint/v3/contenttype/forms"/>
   </ds:schemaRefs>
 </ds:datastoreItem>
 </file>
